--- a/Clase 8/clase8.pptx
+++ b/Clase 8/clase8.pptx
@@ -12256,7 +12256,7 @@
             </a:pPr>
             <a:r>
               <a:rPr lang="es-CR" dirty="0"/>
-              <a:t>2017</a:t>
+              <a:t>2018</a:t>
             </a:r>
           </a:p>
         </p:txBody>
